--- a/APIGateway/AWS Api Gateway.pptx
+++ b/APIGateway/AWS Api Gateway.pptx
@@ -290,7 +290,7 @@
           <a:p>
             <a:fld id="{62F0426D-1C55-4650-BE34-F82076ACAE67}" type="datetimeFigureOut">
               <a:rPr lang="en-US" smtClean="0"/>
-              <a:t>11/9/2022</a:t>
+              <a:t>11/12/2022</a:t>
             </a:fld>
             <a:endParaRPr lang="en-US"/>
           </a:p>
@@ -488,7 +488,7 @@
           <a:p>
             <a:fld id="{62F0426D-1C55-4650-BE34-F82076ACAE67}" type="datetimeFigureOut">
               <a:rPr lang="en-US" smtClean="0"/>
-              <a:t>11/9/2022</a:t>
+              <a:t>11/12/2022</a:t>
             </a:fld>
             <a:endParaRPr lang="en-US"/>
           </a:p>
@@ -696,7 +696,7 @@
           <a:p>
             <a:fld id="{62F0426D-1C55-4650-BE34-F82076ACAE67}" type="datetimeFigureOut">
               <a:rPr lang="en-US" smtClean="0"/>
-              <a:t>11/9/2022</a:t>
+              <a:t>11/12/2022</a:t>
             </a:fld>
             <a:endParaRPr lang="en-US"/>
           </a:p>
@@ -894,7 +894,7 @@
           <a:p>
             <a:fld id="{62F0426D-1C55-4650-BE34-F82076ACAE67}" type="datetimeFigureOut">
               <a:rPr lang="en-US" smtClean="0"/>
-              <a:t>11/9/2022</a:t>
+              <a:t>11/12/2022</a:t>
             </a:fld>
             <a:endParaRPr lang="en-US"/>
           </a:p>
@@ -1169,7 +1169,7 @@
           <a:p>
             <a:fld id="{62F0426D-1C55-4650-BE34-F82076ACAE67}" type="datetimeFigureOut">
               <a:rPr lang="en-US" smtClean="0"/>
-              <a:t>11/9/2022</a:t>
+              <a:t>11/12/2022</a:t>
             </a:fld>
             <a:endParaRPr lang="en-US"/>
           </a:p>
@@ -1434,7 +1434,7 @@
           <a:p>
             <a:fld id="{62F0426D-1C55-4650-BE34-F82076ACAE67}" type="datetimeFigureOut">
               <a:rPr lang="en-US" smtClean="0"/>
-              <a:t>11/9/2022</a:t>
+              <a:t>11/12/2022</a:t>
             </a:fld>
             <a:endParaRPr lang="en-US"/>
           </a:p>
@@ -1846,7 +1846,7 @@
           <a:p>
             <a:fld id="{62F0426D-1C55-4650-BE34-F82076ACAE67}" type="datetimeFigureOut">
               <a:rPr lang="en-US" smtClean="0"/>
-              <a:t>11/9/2022</a:t>
+              <a:t>11/12/2022</a:t>
             </a:fld>
             <a:endParaRPr lang="en-US"/>
           </a:p>
@@ -1987,7 +1987,7 @@
           <a:p>
             <a:fld id="{62F0426D-1C55-4650-BE34-F82076ACAE67}" type="datetimeFigureOut">
               <a:rPr lang="en-US" smtClean="0"/>
-              <a:t>11/9/2022</a:t>
+              <a:t>11/12/2022</a:t>
             </a:fld>
             <a:endParaRPr lang="en-US"/>
           </a:p>
@@ -2100,7 +2100,7 @@
           <a:p>
             <a:fld id="{62F0426D-1C55-4650-BE34-F82076ACAE67}" type="datetimeFigureOut">
               <a:rPr lang="en-US" smtClean="0"/>
-              <a:t>11/9/2022</a:t>
+              <a:t>11/12/2022</a:t>
             </a:fld>
             <a:endParaRPr lang="en-US"/>
           </a:p>
@@ -2411,7 +2411,7 @@
           <a:p>
             <a:fld id="{62F0426D-1C55-4650-BE34-F82076ACAE67}" type="datetimeFigureOut">
               <a:rPr lang="en-US" smtClean="0"/>
-              <a:t>11/9/2022</a:t>
+              <a:t>11/12/2022</a:t>
             </a:fld>
             <a:endParaRPr lang="en-US"/>
           </a:p>
@@ -2699,7 +2699,7 @@
           <a:p>
             <a:fld id="{62F0426D-1C55-4650-BE34-F82076ACAE67}" type="datetimeFigureOut">
               <a:rPr lang="en-US" smtClean="0"/>
-              <a:t>11/9/2022</a:t>
+              <a:t>11/12/2022</a:t>
             </a:fld>
             <a:endParaRPr lang="en-US"/>
           </a:p>
@@ -2940,7 +2940,7 @@
           <a:p>
             <a:fld id="{62F0426D-1C55-4650-BE34-F82076ACAE67}" type="datetimeFigureOut">
               <a:rPr lang="en-US" smtClean="0"/>
-              <a:t>11/9/2022</a:t>
+              <a:t>11/12/2022</a:t>
             </a:fld>
             <a:endParaRPr lang="en-US"/>
           </a:p>
@@ -3800,7 +3800,7 @@
         </p:spPr>
         <p:txBody>
           <a:bodyPr anchor="t">
-            <a:normAutofit/>
+            <a:normAutofit fontScale="90000"/>
           </a:bodyPr>
           <a:lstStyle/>
           <a:p>
@@ -3811,11 +3811,99 @@
                   <a:srgbClr val="FFFFFF"/>
                 </a:solidFill>
               </a:rPr>
-              <a:t>AWS            API Gateway</a:t>
-            </a:r>
-          </a:p>
-        </p:txBody>
-      </p:sp>
+              <a:t>AWS</a:t>
+            </a:r>
+            <a:br>
+              <a:rPr lang="en-US" sz="4000" dirty="0">
+                <a:solidFill>
+                  <a:srgbClr val="FFFFFF"/>
+                </a:solidFill>
+              </a:rPr>
+            </a:br>
+            <a:r>
+              <a:rPr lang="en-US" sz="4000" dirty="0">
+                <a:solidFill>
+                  <a:srgbClr val="FFFFFF"/>
+                </a:solidFill>
+              </a:rPr>
+              <a:t>API Gateway</a:t>
+            </a:r>
+            <a:br>
+              <a:rPr lang="en-US" sz="4000" dirty="0">
+                <a:solidFill>
+                  <a:srgbClr val="FFFFFF"/>
+                </a:solidFill>
+              </a:rPr>
+            </a:br>
+            <a:br>
+              <a:rPr lang="en-US" sz="4000" dirty="0">
+                <a:solidFill>
+                  <a:srgbClr val="FFFFFF"/>
+                </a:solidFill>
+              </a:rPr>
+            </a:br>
+            <a:r>
+              <a:rPr lang="en-US" sz="1600" dirty="0">
+                <a:solidFill>
+                  <a:srgbClr val="FFFFFF"/>
+                </a:solidFill>
+              </a:rPr>
+              <a:t>Kole Vasilevski, </a:t>
+            </a:r>
+            <a:br>
+              <a:rPr lang="en-US" sz="1600" dirty="0">
+                <a:solidFill>
+                  <a:srgbClr val="FFFFFF"/>
+                </a:solidFill>
+              </a:rPr>
+            </a:br>
+            <a:r>
+              <a:rPr lang="en-US" sz="1600" dirty="0">
+                <a:solidFill>
+                  <a:srgbClr val="FFFFFF"/>
+                </a:solidFill>
+              </a:rPr>
+              <a:t>Principal Software Engineer</a:t>
+            </a:r>
+          </a:p>
+        </p:txBody>
+      </p:sp>
+      <p:pic>
+        <p:nvPicPr>
+          <p:cNvPr id="9" name="Picture 8" descr="Text, logo&#10;&#10;Description automatically generated">
+            <a:extLst>
+              <a:ext uri="{FF2B5EF4-FFF2-40B4-BE49-F238E27FC236}">
+                <a16:creationId xmlns:a16="http://schemas.microsoft.com/office/drawing/2014/main" id="{7D132A79-3D10-45DE-97ED-4EADA9FBA373}"/>
+              </a:ext>
+            </a:extLst>
+          </p:cNvPr>
+          <p:cNvPicPr>
+            <a:picLocks noChangeAspect="1"/>
+          </p:cNvPicPr>
+          <p:nvPr/>
+        </p:nvPicPr>
+        <p:blipFill>
+          <a:blip r:embed="rId3">
+            <a:extLst>
+              <a:ext uri="{28A0092B-C50C-407E-A947-70E740481C1C}">
+                <a14:useLocalDpi xmlns:a14="http://schemas.microsoft.com/office/drawing/2010/main" val="0"/>
+              </a:ext>
+            </a:extLst>
+          </a:blip>
+          <a:stretch>
+            <a:fillRect/>
+          </a:stretch>
+        </p:blipFill>
+        <p:spPr>
+          <a:xfrm>
+            <a:off x="653849" y="391319"/>
+            <a:ext cx="1430983" cy="624152"/>
+          </a:xfrm>
+          <a:prstGeom prst="rect">
+            <a:avLst/>
+          </a:prstGeom>
+        </p:spPr>
+      </p:pic>
     </p:spTree>
     <p:extLst>
       <p:ext uri="{BB962C8B-B14F-4D97-AF65-F5344CB8AC3E}">
